--- a/Slides/Baseball 1/Baseball_1_Lecture.pptx
+++ b/Slides/Baseball 1/Baseball_1_Lecture.pptx
@@ -210,7 +210,7 @@
           <a:p>
             <a:fld id="{C04E5E84-956F-4423-97B3-5936A6D8EEEE}" type="datetimeFigureOut">
               <a:rPr lang="en-US" smtClean="0"/>
-              <a:t>9/10/2019</a:t>
+              <a:t>8/21/2020</a:t>
             </a:fld>
             <a:endParaRPr lang="en-US"/>
           </a:p>
@@ -708,7 +708,7 @@
           <a:p>
             <a:fld id="{3881C039-66A3-4640-815B-3B5A8B7D868D}" type="datetimeFigureOut">
               <a:rPr lang="en-US" smtClean="0"/>
-              <a:t>9/10/2019</a:t>
+              <a:t>8/21/2020</a:t>
             </a:fld>
             <a:endParaRPr lang="en-US"/>
           </a:p>
@@ -906,7 +906,7 @@
           <a:p>
             <a:fld id="{3881C039-66A3-4640-815B-3B5A8B7D868D}" type="datetimeFigureOut">
               <a:rPr lang="en-US" smtClean="0"/>
-              <a:t>9/10/2019</a:t>
+              <a:t>8/21/2020</a:t>
             </a:fld>
             <a:endParaRPr lang="en-US"/>
           </a:p>
@@ -1114,7 +1114,7 @@
           <a:p>
             <a:fld id="{3881C039-66A3-4640-815B-3B5A8B7D868D}" type="datetimeFigureOut">
               <a:rPr lang="en-US" smtClean="0"/>
-              <a:t>9/10/2019</a:t>
+              <a:t>8/21/2020</a:t>
             </a:fld>
             <a:endParaRPr lang="en-US"/>
           </a:p>
@@ -1312,7 +1312,7 @@
           <a:p>
             <a:fld id="{3881C039-66A3-4640-815B-3B5A8B7D868D}" type="datetimeFigureOut">
               <a:rPr lang="en-US" smtClean="0"/>
-              <a:t>9/10/2019</a:t>
+              <a:t>8/21/2020</a:t>
             </a:fld>
             <a:endParaRPr lang="en-US"/>
           </a:p>
@@ -1587,7 +1587,7 @@
           <a:p>
             <a:fld id="{3881C039-66A3-4640-815B-3B5A8B7D868D}" type="datetimeFigureOut">
               <a:rPr lang="en-US" smtClean="0"/>
-              <a:t>9/10/2019</a:t>
+              <a:t>8/21/2020</a:t>
             </a:fld>
             <a:endParaRPr lang="en-US"/>
           </a:p>
@@ -1852,7 +1852,7 @@
           <a:p>
             <a:fld id="{3881C039-66A3-4640-815B-3B5A8B7D868D}" type="datetimeFigureOut">
               <a:rPr lang="en-US" smtClean="0"/>
-              <a:t>9/10/2019</a:t>
+              <a:t>8/21/2020</a:t>
             </a:fld>
             <a:endParaRPr lang="en-US"/>
           </a:p>
@@ -2264,7 +2264,7 @@
           <a:p>
             <a:fld id="{3881C039-66A3-4640-815B-3B5A8B7D868D}" type="datetimeFigureOut">
               <a:rPr lang="en-US" smtClean="0"/>
-              <a:t>9/10/2019</a:t>
+              <a:t>8/21/2020</a:t>
             </a:fld>
             <a:endParaRPr lang="en-US"/>
           </a:p>
@@ -2405,7 +2405,7 @@
           <a:p>
             <a:fld id="{3881C039-66A3-4640-815B-3B5A8B7D868D}" type="datetimeFigureOut">
               <a:rPr lang="en-US" smtClean="0"/>
-              <a:t>9/10/2019</a:t>
+              <a:t>8/21/2020</a:t>
             </a:fld>
             <a:endParaRPr lang="en-US"/>
           </a:p>
@@ -2518,7 +2518,7 @@
           <a:p>
             <a:fld id="{3881C039-66A3-4640-815B-3B5A8B7D868D}" type="datetimeFigureOut">
               <a:rPr lang="en-US" smtClean="0"/>
-              <a:t>9/10/2019</a:t>
+              <a:t>8/21/2020</a:t>
             </a:fld>
             <a:endParaRPr lang="en-US"/>
           </a:p>
@@ -2829,7 +2829,7 @@
           <a:p>
             <a:fld id="{3881C039-66A3-4640-815B-3B5A8B7D868D}" type="datetimeFigureOut">
               <a:rPr lang="en-US" smtClean="0"/>
-              <a:t>9/10/2019</a:t>
+              <a:t>8/21/2020</a:t>
             </a:fld>
             <a:endParaRPr lang="en-US"/>
           </a:p>
@@ -3117,7 +3117,7 @@
           <a:p>
             <a:fld id="{3881C039-66A3-4640-815B-3B5A8B7D868D}" type="datetimeFigureOut">
               <a:rPr lang="en-US" smtClean="0"/>
-              <a:t>9/10/2019</a:t>
+              <a:t>8/21/2020</a:t>
             </a:fld>
             <a:endParaRPr lang="en-US"/>
           </a:p>
@@ -3361,7 +3361,7 @@
           <a:p>
             <a:fld id="{3881C039-66A3-4640-815B-3B5A8B7D868D}" type="datetimeFigureOut">
               <a:rPr lang="en-US" smtClean="0"/>
-              <a:t>9/10/2019</a:t>
+              <a:t>8/21/2020</a:t>
             </a:fld>
             <a:endParaRPr lang="en-US"/>
           </a:p>

--- a/Slides/Baseball 1/Baseball_1_Lecture.pptx
+++ b/Slides/Baseball 1/Baseball_1_Lecture.pptx
@@ -210,7 +210,7 @@
           <a:p>
             <a:fld id="{C04E5E84-956F-4423-97B3-5936A6D8EEEE}" type="datetimeFigureOut">
               <a:rPr lang="en-US" smtClean="0"/>
-              <a:t>8/21/2020</a:t>
+              <a:t>1/31/2021</a:t>
             </a:fld>
             <a:endParaRPr lang="en-US"/>
           </a:p>
@@ -708,7 +708,7 @@
           <a:p>
             <a:fld id="{3881C039-66A3-4640-815B-3B5A8B7D868D}" type="datetimeFigureOut">
               <a:rPr lang="en-US" smtClean="0"/>
-              <a:t>8/21/2020</a:t>
+              <a:t>1/31/2021</a:t>
             </a:fld>
             <a:endParaRPr lang="en-US"/>
           </a:p>
@@ -906,7 +906,7 @@
           <a:p>
             <a:fld id="{3881C039-66A3-4640-815B-3B5A8B7D868D}" type="datetimeFigureOut">
               <a:rPr lang="en-US" smtClean="0"/>
-              <a:t>8/21/2020</a:t>
+              <a:t>1/31/2021</a:t>
             </a:fld>
             <a:endParaRPr lang="en-US"/>
           </a:p>
@@ -1114,7 +1114,7 @@
           <a:p>
             <a:fld id="{3881C039-66A3-4640-815B-3B5A8B7D868D}" type="datetimeFigureOut">
               <a:rPr lang="en-US" smtClean="0"/>
-              <a:t>8/21/2020</a:t>
+              <a:t>1/31/2021</a:t>
             </a:fld>
             <a:endParaRPr lang="en-US"/>
           </a:p>
@@ -1312,7 +1312,7 @@
           <a:p>
             <a:fld id="{3881C039-66A3-4640-815B-3B5A8B7D868D}" type="datetimeFigureOut">
               <a:rPr lang="en-US" smtClean="0"/>
-              <a:t>8/21/2020</a:t>
+              <a:t>1/31/2021</a:t>
             </a:fld>
             <a:endParaRPr lang="en-US"/>
           </a:p>
@@ -1587,7 +1587,7 @@
           <a:p>
             <a:fld id="{3881C039-66A3-4640-815B-3B5A8B7D868D}" type="datetimeFigureOut">
               <a:rPr lang="en-US" smtClean="0"/>
-              <a:t>8/21/2020</a:t>
+              <a:t>1/31/2021</a:t>
             </a:fld>
             <a:endParaRPr lang="en-US"/>
           </a:p>
@@ -1852,7 +1852,7 @@
           <a:p>
             <a:fld id="{3881C039-66A3-4640-815B-3B5A8B7D868D}" type="datetimeFigureOut">
               <a:rPr lang="en-US" smtClean="0"/>
-              <a:t>8/21/2020</a:t>
+              <a:t>1/31/2021</a:t>
             </a:fld>
             <a:endParaRPr lang="en-US"/>
           </a:p>
@@ -2264,7 +2264,7 @@
           <a:p>
             <a:fld id="{3881C039-66A3-4640-815B-3B5A8B7D868D}" type="datetimeFigureOut">
               <a:rPr lang="en-US" smtClean="0"/>
-              <a:t>8/21/2020</a:t>
+              <a:t>1/31/2021</a:t>
             </a:fld>
             <a:endParaRPr lang="en-US"/>
           </a:p>
@@ -2405,7 +2405,7 @@
           <a:p>
             <a:fld id="{3881C039-66A3-4640-815B-3B5A8B7D868D}" type="datetimeFigureOut">
               <a:rPr lang="en-US" smtClean="0"/>
-              <a:t>8/21/2020</a:t>
+              <a:t>1/31/2021</a:t>
             </a:fld>
             <a:endParaRPr lang="en-US"/>
           </a:p>
@@ -2518,7 +2518,7 @@
           <a:p>
             <a:fld id="{3881C039-66A3-4640-815B-3B5A8B7D868D}" type="datetimeFigureOut">
               <a:rPr lang="en-US" smtClean="0"/>
-              <a:t>8/21/2020</a:t>
+              <a:t>1/31/2021</a:t>
             </a:fld>
             <a:endParaRPr lang="en-US"/>
           </a:p>
@@ -2829,7 +2829,7 @@
           <a:p>
             <a:fld id="{3881C039-66A3-4640-815B-3B5A8B7D868D}" type="datetimeFigureOut">
               <a:rPr lang="en-US" smtClean="0"/>
-              <a:t>8/21/2020</a:t>
+              <a:t>1/31/2021</a:t>
             </a:fld>
             <a:endParaRPr lang="en-US"/>
           </a:p>
@@ -3117,7 +3117,7 @@
           <a:p>
             <a:fld id="{3881C039-66A3-4640-815B-3B5A8B7D868D}" type="datetimeFigureOut">
               <a:rPr lang="en-US" smtClean="0"/>
-              <a:t>8/21/2020</a:t>
+              <a:t>1/31/2021</a:t>
             </a:fld>
             <a:endParaRPr lang="en-US"/>
           </a:p>
@@ -3361,7 +3361,7 @@
           <a:p>
             <a:fld id="{3881C039-66A3-4640-815B-3B5A8B7D868D}" type="datetimeFigureOut">
               <a:rPr lang="en-US" smtClean="0"/>
-              <a:t>8/21/2020</a:t>
+              <a:t>1/31/2021</a:t>
             </a:fld>
             <a:endParaRPr lang="en-US"/>
           </a:p>
@@ -3910,8 +3910,23 @@
                 </a:solidFill>
                 <a:latin typeface="Selawik Semibold" panose="020B0702040204020203" pitchFamily="34" charset="0"/>
               </a:rPr>
-              <a:t>Produced by Dr. Mario | UNC STOR 390</a:t>
-            </a:r>
+              <a:t>Produced by Dr. Mario | UNC </a:t>
+            </a:r>
+            <a:r>
+              <a:rPr lang="en-US">
+                <a:solidFill>
+                  <a:schemeClr val="bg1"/>
+                </a:solidFill>
+                <a:latin typeface="Selawik Semibold" panose="020B0702040204020203" pitchFamily="34" charset="0"/>
+              </a:rPr>
+              <a:t>STOR 538</a:t>
+            </a:r>
+            <a:endParaRPr lang="en-US" dirty="0">
+              <a:solidFill>
+                <a:schemeClr val="bg1"/>
+              </a:solidFill>
+              <a:latin typeface="Selawik Semibold" panose="020B0702040204020203" pitchFamily="34" charset="0"/>
+            </a:endParaRPr>
           </a:p>
         </p:txBody>
       </p:sp>

--- a/Slides/Baseball 1/Baseball_1_Lecture.pptx
+++ b/Slides/Baseball 1/Baseball_1_Lecture.pptx
@@ -210,7 +210,7 @@
           <a:p>
             <a:fld id="{C04E5E84-956F-4423-97B3-5936A6D8EEEE}" type="datetimeFigureOut">
               <a:rPr lang="en-US" smtClean="0"/>
-              <a:t>1/31/2021</a:t>
+              <a:t>1/23/2023</a:t>
             </a:fld>
             <a:endParaRPr lang="en-US"/>
           </a:p>
@@ -708,7 +708,7 @@
           <a:p>
             <a:fld id="{3881C039-66A3-4640-815B-3B5A8B7D868D}" type="datetimeFigureOut">
               <a:rPr lang="en-US" smtClean="0"/>
-              <a:t>1/31/2021</a:t>
+              <a:t>1/23/2023</a:t>
             </a:fld>
             <a:endParaRPr lang="en-US"/>
           </a:p>
@@ -906,7 +906,7 @@
           <a:p>
             <a:fld id="{3881C039-66A3-4640-815B-3B5A8B7D868D}" type="datetimeFigureOut">
               <a:rPr lang="en-US" smtClean="0"/>
-              <a:t>1/31/2021</a:t>
+              <a:t>1/23/2023</a:t>
             </a:fld>
             <a:endParaRPr lang="en-US"/>
           </a:p>
@@ -1114,7 +1114,7 @@
           <a:p>
             <a:fld id="{3881C039-66A3-4640-815B-3B5A8B7D868D}" type="datetimeFigureOut">
               <a:rPr lang="en-US" smtClean="0"/>
-              <a:t>1/31/2021</a:t>
+              <a:t>1/23/2023</a:t>
             </a:fld>
             <a:endParaRPr lang="en-US"/>
           </a:p>
@@ -1312,7 +1312,7 @@
           <a:p>
             <a:fld id="{3881C039-66A3-4640-815B-3B5A8B7D868D}" type="datetimeFigureOut">
               <a:rPr lang="en-US" smtClean="0"/>
-              <a:t>1/31/2021</a:t>
+              <a:t>1/23/2023</a:t>
             </a:fld>
             <a:endParaRPr lang="en-US"/>
           </a:p>
@@ -1587,7 +1587,7 @@
           <a:p>
             <a:fld id="{3881C039-66A3-4640-815B-3B5A8B7D868D}" type="datetimeFigureOut">
               <a:rPr lang="en-US" smtClean="0"/>
-              <a:t>1/31/2021</a:t>
+              <a:t>1/23/2023</a:t>
             </a:fld>
             <a:endParaRPr lang="en-US"/>
           </a:p>
@@ -1852,7 +1852,7 @@
           <a:p>
             <a:fld id="{3881C039-66A3-4640-815B-3B5A8B7D868D}" type="datetimeFigureOut">
               <a:rPr lang="en-US" smtClean="0"/>
-              <a:t>1/31/2021</a:t>
+              <a:t>1/23/2023</a:t>
             </a:fld>
             <a:endParaRPr lang="en-US"/>
           </a:p>
@@ -2264,7 +2264,7 @@
           <a:p>
             <a:fld id="{3881C039-66A3-4640-815B-3B5A8B7D868D}" type="datetimeFigureOut">
               <a:rPr lang="en-US" smtClean="0"/>
-              <a:t>1/31/2021</a:t>
+              <a:t>1/23/2023</a:t>
             </a:fld>
             <a:endParaRPr lang="en-US"/>
           </a:p>
@@ -2405,7 +2405,7 @@
           <a:p>
             <a:fld id="{3881C039-66A3-4640-815B-3B5A8B7D868D}" type="datetimeFigureOut">
               <a:rPr lang="en-US" smtClean="0"/>
-              <a:t>1/31/2021</a:t>
+              <a:t>1/23/2023</a:t>
             </a:fld>
             <a:endParaRPr lang="en-US"/>
           </a:p>
@@ -2518,7 +2518,7 @@
           <a:p>
             <a:fld id="{3881C039-66A3-4640-815B-3B5A8B7D868D}" type="datetimeFigureOut">
               <a:rPr lang="en-US" smtClean="0"/>
-              <a:t>1/31/2021</a:t>
+              <a:t>1/23/2023</a:t>
             </a:fld>
             <a:endParaRPr lang="en-US"/>
           </a:p>
@@ -2829,7 +2829,7 @@
           <a:p>
             <a:fld id="{3881C039-66A3-4640-815B-3B5A8B7D868D}" type="datetimeFigureOut">
               <a:rPr lang="en-US" smtClean="0"/>
-              <a:t>1/31/2021</a:t>
+              <a:t>1/23/2023</a:t>
             </a:fld>
             <a:endParaRPr lang="en-US"/>
           </a:p>
@@ -3117,7 +3117,7 @@
           <a:p>
             <a:fld id="{3881C039-66A3-4640-815B-3B5A8B7D868D}" type="datetimeFigureOut">
               <a:rPr lang="en-US" smtClean="0"/>
-              <a:t>1/31/2021</a:t>
+              <a:t>1/23/2023</a:t>
             </a:fld>
             <a:endParaRPr lang="en-US"/>
           </a:p>
@@ -3361,7 +3361,7 @@
           <a:p>
             <a:fld id="{3881C039-66A3-4640-815B-3B5A8B7D868D}" type="datetimeFigureOut">
               <a:rPr lang="en-US" smtClean="0"/>
-              <a:t>1/31/2021</a:t>
+              <a:t>1/23/2023</a:t>
             </a:fld>
             <a:endParaRPr lang="en-US"/>
           </a:p>

--- a/Slides/Baseball 1/Baseball_1_Lecture.pptx
+++ b/Slides/Baseball 1/Baseball_1_Lecture.pptx
@@ -210,7 +210,7 @@
           <a:p>
             <a:fld id="{C04E5E84-956F-4423-97B3-5936A6D8EEEE}" type="datetimeFigureOut">
               <a:rPr lang="en-US" smtClean="0"/>
-              <a:t>1/23/2023</a:t>
+              <a:t>1/25/2023</a:t>
             </a:fld>
             <a:endParaRPr lang="en-US"/>
           </a:p>
@@ -708,7 +708,7 @@
           <a:p>
             <a:fld id="{3881C039-66A3-4640-815B-3B5A8B7D868D}" type="datetimeFigureOut">
               <a:rPr lang="en-US" smtClean="0"/>
-              <a:t>1/23/2023</a:t>
+              <a:t>1/25/2023</a:t>
             </a:fld>
             <a:endParaRPr lang="en-US"/>
           </a:p>
@@ -906,7 +906,7 @@
           <a:p>
             <a:fld id="{3881C039-66A3-4640-815B-3B5A8B7D868D}" type="datetimeFigureOut">
               <a:rPr lang="en-US" smtClean="0"/>
-              <a:t>1/23/2023</a:t>
+              <a:t>1/25/2023</a:t>
             </a:fld>
             <a:endParaRPr lang="en-US"/>
           </a:p>
@@ -1114,7 +1114,7 @@
           <a:p>
             <a:fld id="{3881C039-66A3-4640-815B-3B5A8B7D868D}" type="datetimeFigureOut">
               <a:rPr lang="en-US" smtClean="0"/>
-              <a:t>1/23/2023</a:t>
+              <a:t>1/25/2023</a:t>
             </a:fld>
             <a:endParaRPr lang="en-US"/>
           </a:p>
@@ -1312,7 +1312,7 @@
           <a:p>
             <a:fld id="{3881C039-66A3-4640-815B-3B5A8B7D868D}" type="datetimeFigureOut">
               <a:rPr lang="en-US" smtClean="0"/>
-              <a:t>1/23/2023</a:t>
+              <a:t>1/25/2023</a:t>
             </a:fld>
             <a:endParaRPr lang="en-US"/>
           </a:p>
@@ -1587,7 +1587,7 @@
           <a:p>
             <a:fld id="{3881C039-66A3-4640-815B-3B5A8B7D868D}" type="datetimeFigureOut">
               <a:rPr lang="en-US" smtClean="0"/>
-              <a:t>1/23/2023</a:t>
+              <a:t>1/25/2023</a:t>
             </a:fld>
             <a:endParaRPr lang="en-US"/>
           </a:p>
@@ -1852,7 +1852,7 @@
           <a:p>
             <a:fld id="{3881C039-66A3-4640-815B-3B5A8B7D868D}" type="datetimeFigureOut">
               <a:rPr lang="en-US" smtClean="0"/>
-              <a:t>1/23/2023</a:t>
+              <a:t>1/25/2023</a:t>
             </a:fld>
             <a:endParaRPr lang="en-US"/>
           </a:p>
@@ -2264,7 +2264,7 @@
           <a:p>
             <a:fld id="{3881C039-66A3-4640-815B-3B5A8B7D868D}" type="datetimeFigureOut">
               <a:rPr lang="en-US" smtClean="0"/>
-              <a:t>1/23/2023</a:t>
+              <a:t>1/25/2023</a:t>
             </a:fld>
             <a:endParaRPr lang="en-US"/>
           </a:p>
@@ -2405,7 +2405,7 @@
           <a:p>
             <a:fld id="{3881C039-66A3-4640-815B-3B5A8B7D868D}" type="datetimeFigureOut">
               <a:rPr lang="en-US" smtClean="0"/>
-              <a:t>1/23/2023</a:t>
+              <a:t>1/25/2023</a:t>
             </a:fld>
             <a:endParaRPr lang="en-US"/>
           </a:p>
@@ -2518,7 +2518,7 @@
           <a:p>
             <a:fld id="{3881C039-66A3-4640-815B-3B5A8B7D868D}" type="datetimeFigureOut">
               <a:rPr lang="en-US" smtClean="0"/>
-              <a:t>1/23/2023</a:t>
+              <a:t>1/25/2023</a:t>
             </a:fld>
             <a:endParaRPr lang="en-US"/>
           </a:p>
@@ -2829,7 +2829,7 @@
           <a:p>
             <a:fld id="{3881C039-66A3-4640-815B-3B5A8B7D868D}" type="datetimeFigureOut">
               <a:rPr lang="en-US" smtClean="0"/>
-              <a:t>1/23/2023</a:t>
+              <a:t>1/25/2023</a:t>
             </a:fld>
             <a:endParaRPr lang="en-US"/>
           </a:p>
@@ -3117,7 +3117,7 @@
           <a:p>
             <a:fld id="{3881C039-66A3-4640-815B-3B5A8B7D868D}" type="datetimeFigureOut">
               <a:rPr lang="en-US" smtClean="0"/>
-              <a:t>1/23/2023</a:t>
+              <a:t>1/25/2023</a:t>
             </a:fld>
             <a:endParaRPr lang="en-US"/>
           </a:p>
@@ -3361,7 +3361,7 @@
           <a:p>
             <a:fld id="{3881C039-66A3-4640-815B-3B5A8B7D868D}" type="datetimeFigureOut">
               <a:rPr lang="en-US" smtClean="0"/>
-              <a:t>1/23/2023</a:t>
+              <a:t>1/25/2023</a:t>
             </a:fld>
             <a:endParaRPr lang="en-US"/>
           </a:p>
@@ -5299,8 +5299,8 @@
           </p:sp>
         </mc:Fallback>
       </mc:AlternateContent>
-      <mc:AlternateContent xmlns:mc="http://schemas.openxmlformats.org/markup-compatibility/2006" xmlns:a14="http://schemas.microsoft.com/office/drawing/2010/main">
-        <mc:Choice Requires="a14">
+      <mc:AlternateContent xmlns:mc="http://schemas.openxmlformats.org/markup-compatibility/2006">
+        <mc:Choice xmlns:a14="http://schemas.microsoft.com/office/drawing/2010/main" Requires="a14">
           <p:sp>
             <p:nvSpPr>
               <p:cNvPr id="20" name="Rectangle 19">
@@ -5316,7 +5316,7 @@
             <p:spPr>
               <a:xfrm>
                 <a:off x="3850106" y="5828243"/>
-                <a:ext cx="4976875" cy="628057"/>
+                <a:ext cx="4984891" cy="628057"/>
               </a:xfrm>
               <a:prstGeom prst="rect">
                 <a:avLst/>
@@ -5456,7 +5456,7 @@
                                   </a:solidFill>
                                   <a:latin typeface="Cambria Math" panose="02040503050406030204" pitchFamily="18" charset="0"/>
                                 </a:rPr>
-                                <m:t>×</m:t>
+                                <m:t>+</m:t>
                               </m:r>
                               <m:r>
                                 <a:rPr lang="en-US" b="1" i="1" smtClean="0">
@@ -5530,7 +5530,7 @@
             </p:txBody>
           </p:sp>
         </mc:Choice>
-        <mc:Fallback xmlns="">
+        <mc:Fallback>
           <p:sp>
             <p:nvSpPr>
               <p:cNvPr id="20" name="Rectangle 19">
@@ -5548,7 +5548,7 @@
             <p:spPr>
               <a:xfrm>
                 <a:off x="3850106" y="5828243"/>
-                <a:ext cx="4976875" cy="628057"/>
+                <a:ext cx="4984891" cy="628057"/>
               </a:xfrm>
               <a:prstGeom prst="rect">
                 <a:avLst/>

--- a/Slides/Baseball 1/Baseball_1_Lecture.pptx
+++ b/Slides/Baseball 1/Baseball_1_Lecture.pptx
@@ -210,7 +210,7 @@
           <a:p>
             <a:fld id="{C04E5E84-956F-4423-97B3-5936A6D8EEEE}" type="datetimeFigureOut">
               <a:rPr lang="en-US" smtClean="0"/>
-              <a:t>1/25/2023</a:t>
+              <a:t>1/25/2024</a:t>
             </a:fld>
             <a:endParaRPr lang="en-US"/>
           </a:p>
@@ -708,7 +708,7 @@
           <a:p>
             <a:fld id="{3881C039-66A3-4640-815B-3B5A8B7D868D}" type="datetimeFigureOut">
               <a:rPr lang="en-US" smtClean="0"/>
-              <a:t>1/25/2023</a:t>
+              <a:t>1/25/2024</a:t>
             </a:fld>
             <a:endParaRPr lang="en-US"/>
           </a:p>
@@ -906,7 +906,7 @@
           <a:p>
             <a:fld id="{3881C039-66A3-4640-815B-3B5A8B7D868D}" type="datetimeFigureOut">
               <a:rPr lang="en-US" smtClean="0"/>
-              <a:t>1/25/2023</a:t>
+              <a:t>1/25/2024</a:t>
             </a:fld>
             <a:endParaRPr lang="en-US"/>
           </a:p>
@@ -1114,7 +1114,7 @@
           <a:p>
             <a:fld id="{3881C039-66A3-4640-815B-3B5A8B7D868D}" type="datetimeFigureOut">
               <a:rPr lang="en-US" smtClean="0"/>
-              <a:t>1/25/2023</a:t>
+              <a:t>1/25/2024</a:t>
             </a:fld>
             <a:endParaRPr lang="en-US"/>
           </a:p>
@@ -1312,7 +1312,7 @@
           <a:p>
             <a:fld id="{3881C039-66A3-4640-815B-3B5A8B7D868D}" type="datetimeFigureOut">
               <a:rPr lang="en-US" smtClean="0"/>
-              <a:t>1/25/2023</a:t>
+              <a:t>1/25/2024</a:t>
             </a:fld>
             <a:endParaRPr lang="en-US"/>
           </a:p>
@@ -1587,7 +1587,7 @@
           <a:p>
             <a:fld id="{3881C039-66A3-4640-815B-3B5A8B7D868D}" type="datetimeFigureOut">
               <a:rPr lang="en-US" smtClean="0"/>
-              <a:t>1/25/2023</a:t>
+              <a:t>1/25/2024</a:t>
             </a:fld>
             <a:endParaRPr lang="en-US"/>
           </a:p>
@@ -1852,7 +1852,7 @@
           <a:p>
             <a:fld id="{3881C039-66A3-4640-815B-3B5A8B7D868D}" type="datetimeFigureOut">
               <a:rPr lang="en-US" smtClean="0"/>
-              <a:t>1/25/2023</a:t>
+              <a:t>1/25/2024</a:t>
             </a:fld>
             <a:endParaRPr lang="en-US"/>
           </a:p>
@@ -2264,7 +2264,7 @@
           <a:p>
             <a:fld id="{3881C039-66A3-4640-815B-3B5A8B7D868D}" type="datetimeFigureOut">
               <a:rPr lang="en-US" smtClean="0"/>
-              <a:t>1/25/2023</a:t>
+              <a:t>1/25/2024</a:t>
             </a:fld>
             <a:endParaRPr lang="en-US"/>
           </a:p>
@@ -2405,7 +2405,7 @@
           <a:p>
             <a:fld id="{3881C039-66A3-4640-815B-3B5A8B7D868D}" type="datetimeFigureOut">
               <a:rPr lang="en-US" smtClean="0"/>
-              <a:t>1/25/2023</a:t>
+              <a:t>1/25/2024</a:t>
             </a:fld>
             <a:endParaRPr lang="en-US"/>
           </a:p>
@@ -2518,7 +2518,7 @@
           <a:p>
             <a:fld id="{3881C039-66A3-4640-815B-3B5A8B7D868D}" type="datetimeFigureOut">
               <a:rPr lang="en-US" smtClean="0"/>
-              <a:t>1/25/2023</a:t>
+              <a:t>1/25/2024</a:t>
             </a:fld>
             <a:endParaRPr lang="en-US"/>
           </a:p>
@@ -2829,7 +2829,7 @@
           <a:p>
             <a:fld id="{3881C039-66A3-4640-815B-3B5A8B7D868D}" type="datetimeFigureOut">
               <a:rPr lang="en-US" smtClean="0"/>
-              <a:t>1/25/2023</a:t>
+              <a:t>1/25/2024</a:t>
             </a:fld>
             <a:endParaRPr lang="en-US"/>
           </a:p>
@@ -3117,7 +3117,7 @@
           <a:p>
             <a:fld id="{3881C039-66A3-4640-815B-3B5A8B7D868D}" type="datetimeFigureOut">
               <a:rPr lang="en-US" smtClean="0"/>
-              <a:t>1/25/2023</a:t>
+              <a:t>1/25/2024</a:t>
             </a:fld>
             <a:endParaRPr lang="en-US"/>
           </a:p>
@@ -3361,7 +3361,7 @@
           <a:p>
             <a:fld id="{3881C039-66A3-4640-815B-3B5A8B7D868D}" type="datetimeFigureOut">
               <a:rPr lang="en-US" smtClean="0"/>
-              <a:t>1/25/2023</a:t>
+              <a:t>1/25/2024</a:t>
             </a:fld>
             <a:endParaRPr lang="en-US"/>
           </a:p>
@@ -5299,8 +5299,8 @@
           </p:sp>
         </mc:Fallback>
       </mc:AlternateContent>
-      <mc:AlternateContent xmlns:mc="http://schemas.openxmlformats.org/markup-compatibility/2006">
-        <mc:Choice xmlns:a14="http://schemas.microsoft.com/office/drawing/2010/main" Requires="a14">
+      <mc:AlternateContent xmlns:mc="http://schemas.openxmlformats.org/markup-compatibility/2006" xmlns:a14="http://schemas.microsoft.com/office/drawing/2010/main">
+        <mc:Choice Requires="a14">
           <p:sp>
             <p:nvSpPr>
               <p:cNvPr id="20" name="Rectangle 19">
@@ -5530,7 +5530,7 @@
             </p:txBody>
           </p:sp>
         </mc:Choice>
-        <mc:Fallback>
+        <mc:Fallback xmlns="">
           <p:sp>
             <p:nvSpPr>
               <p:cNvPr id="20" name="Rectangle 19">
@@ -9382,7 +9382,7 @@
                 </a:solidFill>
                 <a:latin typeface="Selawik Semibold" panose="020B0702040204020203" pitchFamily="34" charset="0"/>
               </a:rPr>
-              <a:t>Yearly Dues: $65 (Standard) or $25 (Student)</a:t>
+              <a:t>Yearly Dues: $80 (Standard) or $25 (Student)</a:t>
             </a:r>
           </a:p>
           <a:p>
@@ -11804,16 +11804,34 @@
                 </a:solidFill>
                 <a:latin typeface="Selawik Semibold" panose="020B0702040204020203" pitchFamily="34" charset="0"/>
               </a:rPr>
-              <a:t>Analyzing Baseball Data with R</a:t>
-            </a:r>
-            <a:r>
-              <a:rPr lang="en-US" sz="2000" dirty="0">
+              <a:t>Analyzing Baseball Data </a:t>
+            </a:r>
+            <a:r>
+              <a:rPr lang="en-US" sz="2000" i="1">
                 <a:solidFill>
                   <a:schemeClr val="bg1"/>
                 </a:solidFill>
                 <a:latin typeface="Selawik Semibold" panose="020B0702040204020203" pitchFamily="34" charset="0"/>
               </a:rPr>
-              <a:t>: (2014)</a:t>
+              <a:t>with R</a:t>
+            </a:r>
+            <a:r>
+              <a:rPr lang="en-US" sz="2000">
+                <a:solidFill>
+                  <a:schemeClr val="bg1"/>
+                </a:solidFill>
+                <a:latin typeface="Selawik Semibold" panose="020B0702040204020203" pitchFamily="34" charset="0"/>
+              </a:rPr>
+              <a:t> </a:t>
+            </a:r>
+            <a:r>
+              <a:rPr lang="en-US" sz="2000" dirty="0">
+                <a:solidFill>
+                  <a:schemeClr val="bg1"/>
+                </a:solidFill>
+                <a:latin typeface="Selawik Semibold" panose="020B0702040204020203" pitchFamily="34" charset="0"/>
+              </a:rPr>
+              <a:t>(2014)</a:t>
             </a:r>
             <a:endParaRPr lang="en-US" sz="2000" i="1" dirty="0">
               <a:solidFill>

--- a/Slides/Baseball 1/Baseball_1_Lecture.pptx
+++ b/Slides/Baseball 1/Baseball_1_Lecture.pptx
@@ -210,7 +210,7 @@
           <a:p>
             <a:fld id="{C04E5E84-956F-4423-97B3-5936A6D8EEEE}" type="datetimeFigureOut">
               <a:rPr lang="en-US" smtClean="0"/>
-              <a:t>1/25/2024</a:t>
+              <a:t>1/29/2025</a:t>
             </a:fld>
             <a:endParaRPr lang="en-US"/>
           </a:p>
@@ -708,7 +708,7 @@
           <a:p>
             <a:fld id="{3881C039-66A3-4640-815B-3B5A8B7D868D}" type="datetimeFigureOut">
               <a:rPr lang="en-US" smtClean="0"/>
-              <a:t>1/25/2024</a:t>
+              <a:t>1/29/2025</a:t>
             </a:fld>
             <a:endParaRPr lang="en-US"/>
           </a:p>
@@ -906,7 +906,7 @@
           <a:p>
             <a:fld id="{3881C039-66A3-4640-815B-3B5A8B7D868D}" type="datetimeFigureOut">
               <a:rPr lang="en-US" smtClean="0"/>
-              <a:t>1/25/2024</a:t>
+              <a:t>1/29/2025</a:t>
             </a:fld>
             <a:endParaRPr lang="en-US"/>
           </a:p>
@@ -1114,7 +1114,7 @@
           <a:p>
             <a:fld id="{3881C039-66A3-4640-815B-3B5A8B7D868D}" type="datetimeFigureOut">
               <a:rPr lang="en-US" smtClean="0"/>
-              <a:t>1/25/2024</a:t>
+              <a:t>1/29/2025</a:t>
             </a:fld>
             <a:endParaRPr lang="en-US"/>
           </a:p>
@@ -1312,7 +1312,7 @@
           <a:p>
             <a:fld id="{3881C039-66A3-4640-815B-3B5A8B7D868D}" type="datetimeFigureOut">
               <a:rPr lang="en-US" smtClean="0"/>
-              <a:t>1/25/2024</a:t>
+              <a:t>1/29/2025</a:t>
             </a:fld>
             <a:endParaRPr lang="en-US"/>
           </a:p>
@@ -1587,7 +1587,7 @@
           <a:p>
             <a:fld id="{3881C039-66A3-4640-815B-3B5A8B7D868D}" type="datetimeFigureOut">
               <a:rPr lang="en-US" smtClean="0"/>
-              <a:t>1/25/2024</a:t>
+              <a:t>1/29/2025</a:t>
             </a:fld>
             <a:endParaRPr lang="en-US"/>
           </a:p>
@@ -1852,7 +1852,7 @@
           <a:p>
             <a:fld id="{3881C039-66A3-4640-815B-3B5A8B7D868D}" type="datetimeFigureOut">
               <a:rPr lang="en-US" smtClean="0"/>
-              <a:t>1/25/2024</a:t>
+              <a:t>1/29/2025</a:t>
             </a:fld>
             <a:endParaRPr lang="en-US"/>
           </a:p>
@@ -2264,7 +2264,7 @@
           <a:p>
             <a:fld id="{3881C039-66A3-4640-815B-3B5A8B7D868D}" type="datetimeFigureOut">
               <a:rPr lang="en-US" smtClean="0"/>
-              <a:t>1/25/2024</a:t>
+              <a:t>1/29/2025</a:t>
             </a:fld>
             <a:endParaRPr lang="en-US"/>
           </a:p>
@@ -2405,7 +2405,7 @@
           <a:p>
             <a:fld id="{3881C039-66A3-4640-815B-3B5A8B7D868D}" type="datetimeFigureOut">
               <a:rPr lang="en-US" smtClean="0"/>
-              <a:t>1/25/2024</a:t>
+              <a:t>1/29/2025</a:t>
             </a:fld>
             <a:endParaRPr lang="en-US"/>
           </a:p>
@@ -2518,7 +2518,7 @@
           <a:p>
             <a:fld id="{3881C039-66A3-4640-815B-3B5A8B7D868D}" type="datetimeFigureOut">
               <a:rPr lang="en-US" smtClean="0"/>
-              <a:t>1/25/2024</a:t>
+              <a:t>1/29/2025</a:t>
             </a:fld>
             <a:endParaRPr lang="en-US"/>
           </a:p>
@@ -2829,7 +2829,7 @@
           <a:p>
             <a:fld id="{3881C039-66A3-4640-815B-3B5A8B7D868D}" type="datetimeFigureOut">
               <a:rPr lang="en-US" smtClean="0"/>
-              <a:t>1/25/2024</a:t>
+              <a:t>1/29/2025</a:t>
             </a:fld>
             <a:endParaRPr lang="en-US"/>
           </a:p>
@@ -3117,7 +3117,7 @@
           <a:p>
             <a:fld id="{3881C039-66A3-4640-815B-3B5A8B7D868D}" type="datetimeFigureOut">
               <a:rPr lang="en-US" smtClean="0"/>
-              <a:t>1/25/2024</a:t>
+              <a:t>1/29/2025</a:t>
             </a:fld>
             <a:endParaRPr lang="en-US"/>
           </a:p>
@@ -3361,7 +3361,7 @@
           <a:p>
             <a:fld id="{3881C039-66A3-4640-815B-3B5A8B7D868D}" type="datetimeFigureOut">
               <a:rPr lang="en-US" smtClean="0"/>
-              <a:t>1/25/2024</a:t>
+              <a:t>1/29/2025</a:t>
             </a:fld>
             <a:endParaRPr lang="en-US"/>
           </a:p>
@@ -9484,16 +9484,16 @@
                 </a:solidFill>
                 <a:latin typeface="Selawik Semibold" panose="020B0702040204020203" pitchFamily="34" charset="0"/>
               </a:rPr>
-              <a:t>To cooperate in safeguarding the </a:t>
-            </a:r>
-            <a:r>
-              <a:rPr lang="en-US" sz="2000" dirty="0" err="1">
+              <a:t>To cooperate in safeguarding </a:t>
+            </a:r>
+            <a:r>
+              <a:rPr lang="en-US" sz="2000">
                 <a:solidFill>
                   <a:schemeClr val="bg1"/>
                 </a:solidFill>
                 <a:latin typeface="Selawik Semibold" panose="020B0702040204020203" pitchFamily="34" charset="0"/>
               </a:rPr>
-              <a:t>propietary</a:t>
+              <a:t>the proprietary </a:t>
             </a:r>
             <a:r>
               <a:rPr lang="en-US" sz="2000" dirty="0">
@@ -9502,7 +9502,7 @@
                 </a:solidFill>
                 <a:latin typeface="Selawik Semibold" panose="020B0702040204020203" pitchFamily="34" charset="0"/>
               </a:rPr>
-              <a:t> interests of individual research efforts of members of the Society.</a:t>
+              <a:t>interests of individual research efforts of members of the Society.</a:t>
             </a:r>
           </a:p>
         </p:txBody>

--- a/Slides/Baseball 1/Baseball_1_Lecture.pptx
+++ b/Slides/Baseball 1/Baseball_1_Lecture.pptx
@@ -3910,23 +3910,8 @@
                 </a:solidFill>
                 <a:latin typeface="Selawik Semibold" panose="020B0702040204020203" pitchFamily="34" charset="0"/>
               </a:rPr>
-              <a:t>Produced by Dr. Mario | UNC </a:t>
-            </a:r>
-            <a:r>
-              <a:rPr lang="en-US">
-                <a:solidFill>
-                  <a:schemeClr val="bg1"/>
-                </a:solidFill>
-                <a:latin typeface="Selawik Semibold" panose="020B0702040204020203" pitchFamily="34" charset="0"/>
-              </a:rPr>
-              <a:t>STOR 538</a:t>
-            </a:r>
-            <a:endParaRPr lang="en-US" dirty="0">
-              <a:solidFill>
-                <a:schemeClr val="bg1"/>
-              </a:solidFill>
-              <a:latin typeface="Selawik Semibold" panose="020B0702040204020203" pitchFamily="34" charset="0"/>
-            </a:endParaRPr>
+              <a:t>Produced by Dr. Mario | UNC STOR 538</a:t>
+            </a:r>
           </a:p>
         </p:txBody>
       </p:sp>

--- a/Slides/Baseball 1/Baseball_1_Lecture.pptx
+++ b/Slides/Baseball 1/Baseball_1_Lecture.pptx
@@ -210,7 +210,7 @@
           <a:p>
             <a:fld id="{C04E5E84-956F-4423-97B3-5936A6D8EEEE}" type="datetimeFigureOut">
               <a:rPr lang="en-US" smtClean="0"/>
-              <a:t>1/29/2025</a:t>
+              <a:t>1/31/2025</a:t>
             </a:fld>
             <a:endParaRPr lang="en-US"/>
           </a:p>
@@ -708,7 +708,7 @@
           <a:p>
             <a:fld id="{3881C039-66A3-4640-815B-3B5A8B7D868D}" type="datetimeFigureOut">
               <a:rPr lang="en-US" smtClean="0"/>
-              <a:t>1/29/2025</a:t>
+              <a:t>1/31/2025</a:t>
             </a:fld>
             <a:endParaRPr lang="en-US"/>
           </a:p>
@@ -906,7 +906,7 @@
           <a:p>
             <a:fld id="{3881C039-66A3-4640-815B-3B5A8B7D868D}" type="datetimeFigureOut">
               <a:rPr lang="en-US" smtClean="0"/>
-              <a:t>1/29/2025</a:t>
+              <a:t>1/31/2025</a:t>
             </a:fld>
             <a:endParaRPr lang="en-US"/>
           </a:p>
@@ -1114,7 +1114,7 @@
           <a:p>
             <a:fld id="{3881C039-66A3-4640-815B-3B5A8B7D868D}" type="datetimeFigureOut">
               <a:rPr lang="en-US" smtClean="0"/>
-              <a:t>1/29/2025</a:t>
+              <a:t>1/31/2025</a:t>
             </a:fld>
             <a:endParaRPr lang="en-US"/>
           </a:p>
@@ -1312,7 +1312,7 @@
           <a:p>
             <a:fld id="{3881C039-66A3-4640-815B-3B5A8B7D868D}" type="datetimeFigureOut">
               <a:rPr lang="en-US" smtClean="0"/>
-              <a:t>1/29/2025</a:t>
+              <a:t>1/31/2025</a:t>
             </a:fld>
             <a:endParaRPr lang="en-US"/>
           </a:p>
@@ -1587,7 +1587,7 @@
           <a:p>
             <a:fld id="{3881C039-66A3-4640-815B-3B5A8B7D868D}" type="datetimeFigureOut">
               <a:rPr lang="en-US" smtClean="0"/>
-              <a:t>1/29/2025</a:t>
+              <a:t>1/31/2025</a:t>
             </a:fld>
             <a:endParaRPr lang="en-US"/>
           </a:p>
@@ -1852,7 +1852,7 @@
           <a:p>
             <a:fld id="{3881C039-66A3-4640-815B-3B5A8B7D868D}" type="datetimeFigureOut">
               <a:rPr lang="en-US" smtClean="0"/>
-              <a:t>1/29/2025</a:t>
+              <a:t>1/31/2025</a:t>
             </a:fld>
             <a:endParaRPr lang="en-US"/>
           </a:p>
@@ -2264,7 +2264,7 @@
           <a:p>
             <a:fld id="{3881C039-66A3-4640-815B-3B5A8B7D868D}" type="datetimeFigureOut">
               <a:rPr lang="en-US" smtClean="0"/>
-              <a:t>1/29/2025</a:t>
+              <a:t>1/31/2025</a:t>
             </a:fld>
             <a:endParaRPr lang="en-US"/>
           </a:p>
@@ -2405,7 +2405,7 @@
           <a:p>
             <a:fld id="{3881C039-66A3-4640-815B-3B5A8B7D868D}" type="datetimeFigureOut">
               <a:rPr lang="en-US" smtClean="0"/>
-              <a:t>1/29/2025</a:t>
+              <a:t>1/31/2025</a:t>
             </a:fld>
             <a:endParaRPr lang="en-US"/>
           </a:p>
@@ -2518,7 +2518,7 @@
           <a:p>
             <a:fld id="{3881C039-66A3-4640-815B-3B5A8B7D868D}" type="datetimeFigureOut">
               <a:rPr lang="en-US" smtClean="0"/>
-              <a:t>1/29/2025</a:t>
+              <a:t>1/31/2025</a:t>
             </a:fld>
             <a:endParaRPr lang="en-US"/>
           </a:p>
@@ -2829,7 +2829,7 @@
           <a:p>
             <a:fld id="{3881C039-66A3-4640-815B-3B5A8B7D868D}" type="datetimeFigureOut">
               <a:rPr lang="en-US" smtClean="0"/>
-              <a:t>1/29/2025</a:t>
+              <a:t>1/31/2025</a:t>
             </a:fld>
             <a:endParaRPr lang="en-US"/>
           </a:p>
@@ -3117,7 +3117,7 @@
           <a:p>
             <a:fld id="{3881C039-66A3-4640-815B-3B5A8B7D868D}" type="datetimeFigureOut">
               <a:rPr lang="en-US" smtClean="0"/>
-              <a:t>1/29/2025</a:t>
+              <a:t>1/31/2025</a:t>
             </a:fld>
             <a:endParaRPr lang="en-US"/>
           </a:p>
@@ -3361,7 +3361,7 @@
           <a:p>
             <a:fld id="{3881C039-66A3-4640-815B-3B5A8B7D868D}" type="datetimeFigureOut">
               <a:rPr lang="en-US" smtClean="0"/>
-              <a:t>1/29/2025</a:t>
+              <a:t>1/31/2025</a:t>
             </a:fld>
             <a:endParaRPr lang="en-US"/>
           </a:p>
@@ -9367,7 +9367,7 @@
                 </a:solidFill>
                 <a:latin typeface="Selawik Semibold" panose="020B0702040204020203" pitchFamily="34" charset="0"/>
               </a:rPr>
-              <a:t>Yearly Dues: $80 (Standard) or $25 (Student)</a:t>
+              <a:t>Yearly Dues: $25 (Student)</a:t>
             </a:r>
           </a:p>
           <a:p>
@@ -9469,25 +9469,7 @@
                 </a:solidFill>
                 <a:latin typeface="Selawik Semibold" panose="020B0702040204020203" pitchFamily="34" charset="0"/>
               </a:rPr>
-              <a:t>To cooperate in safeguarding </a:t>
-            </a:r>
-            <a:r>
-              <a:rPr lang="en-US" sz="2000">
-                <a:solidFill>
-                  <a:schemeClr val="bg1"/>
-                </a:solidFill>
-                <a:latin typeface="Selawik Semibold" panose="020B0702040204020203" pitchFamily="34" charset="0"/>
-              </a:rPr>
-              <a:t>the proprietary </a:t>
-            </a:r>
-            <a:r>
-              <a:rPr lang="en-US" sz="2000" dirty="0">
-                <a:solidFill>
-                  <a:schemeClr val="bg1"/>
-                </a:solidFill>
-                <a:latin typeface="Selawik Semibold" panose="020B0702040204020203" pitchFamily="34" charset="0"/>
-              </a:rPr>
-              <a:t>interests of individual research efforts of members of the Society.</a:t>
+              <a:t>To cooperate in safeguarding the proprietary interests of individual research efforts of members of the Society.</a:t>
             </a:r>
           </a:p>
         </p:txBody>
